--- a/doc/要件定義・基本設計書_修正版3.pptx
+++ b/doc/要件定義・基本設計書_修正版3.pptx
@@ -268,7 +268,7 @@
           <a:p>
             <a:fld id="{23AFB7E0-3CC1-46EF-8221-F1C7155CD119}" type="datetimeFigureOut">
               <a:rPr kumimoji="1" lang="ja-JP" altLang="en-US" smtClean="0"/>
-              <a:t>2024/1/23</a:t>
+              <a:t>2024/1/30</a:t>
             </a:fld>
             <a:endParaRPr kumimoji="1" lang="ja-JP" altLang="en-US"/>
           </a:p>
@@ -498,7 +498,7 @@
           <a:p>
             <a:fld id="{23AFB7E0-3CC1-46EF-8221-F1C7155CD119}" type="datetimeFigureOut">
               <a:rPr kumimoji="1" lang="ja-JP" altLang="en-US" smtClean="0"/>
-              <a:t>2024/1/23</a:t>
+              <a:t>2024/1/30</a:t>
             </a:fld>
             <a:endParaRPr kumimoji="1" lang="ja-JP" altLang="en-US"/>
           </a:p>
@@ -738,7 +738,7 @@
           <a:p>
             <a:fld id="{23AFB7E0-3CC1-46EF-8221-F1C7155CD119}" type="datetimeFigureOut">
               <a:rPr kumimoji="1" lang="ja-JP" altLang="en-US" smtClean="0"/>
-              <a:t>2024/1/23</a:t>
+              <a:t>2024/1/30</a:t>
             </a:fld>
             <a:endParaRPr kumimoji="1" lang="ja-JP" altLang="en-US"/>
           </a:p>
@@ -968,7 +968,7 @@
           <a:p>
             <a:fld id="{23AFB7E0-3CC1-46EF-8221-F1C7155CD119}" type="datetimeFigureOut">
               <a:rPr kumimoji="1" lang="ja-JP" altLang="en-US" smtClean="0"/>
-              <a:t>2024/1/23</a:t>
+              <a:t>2024/1/30</a:t>
             </a:fld>
             <a:endParaRPr kumimoji="1" lang="ja-JP" altLang="en-US"/>
           </a:p>
@@ -1243,7 +1243,7 @@
           <a:p>
             <a:fld id="{23AFB7E0-3CC1-46EF-8221-F1C7155CD119}" type="datetimeFigureOut">
               <a:rPr kumimoji="1" lang="ja-JP" altLang="en-US" smtClean="0"/>
-              <a:t>2024/1/23</a:t>
+              <a:t>2024/1/30</a:t>
             </a:fld>
             <a:endParaRPr kumimoji="1" lang="ja-JP" altLang="en-US"/>
           </a:p>
@@ -1572,7 +1572,7 @@
           <a:p>
             <a:fld id="{23AFB7E0-3CC1-46EF-8221-F1C7155CD119}" type="datetimeFigureOut">
               <a:rPr kumimoji="1" lang="ja-JP" altLang="en-US" smtClean="0"/>
-              <a:t>2024/1/23</a:t>
+              <a:t>2024/1/30</a:t>
             </a:fld>
             <a:endParaRPr kumimoji="1" lang="ja-JP" altLang="en-US"/>
           </a:p>
@@ -2048,7 +2048,7 @@
           <a:p>
             <a:fld id="{23AFB7E0-3CC1-46EF-8221-F1C7155CD119}" type="datetimeFigureOut">
               <a:rPr kumimoji="1" lang="ja-JP" altLang="en-US" smtClean="0"/>
-              <a:t>2024/1/23</a:t>
+              <a:t>2024/1/30</a:t>
             </a:fld>
             <a:endParaRPr kumimoji="1" lang="ja-JP" altLang="en-US"/>
           </a:p>
@@ -2189,7 +2189,7 @@
           <a:p>
             <a:fld id="{23AFB7E0-3CC1-46EF-8221-F1C7155CD119}" type="datetimeFigureOut">
               <a:rPr kumimoji="1" lang="ja-JP" altLang="en-US" smtClean="0"/>
-              <a:t>2024/1/23</a:t>
+              <a:t>2024/1/30</a:t>
             </a:fld>
             <a:endParaRPr kumimoji="1" lang="ja-JP" altLang="en-US"/>
           </a:p>
@@ -2302,7 +2302,7 @@
           <a:p>
             <a:fld id="{23AFB7E0-3CC1-46EF-8221-F1C7155CD119}" type="datetimeFigureOut">
               <a:rPr kumimoji="1" lang="ja-JP" altLang="en-US" smtClean="0"/>
-              <a:t>2024/1/23</a:t>
+              <a:t>2024/1/30</a:t>
             </a:fld>
             <a:endParaRPr kumimoji="1" lang="ja-JP" altLang="en-US"/>
           </a:p>
@@ -2645,7 +2645,7 @@
           <a:p>
             <a:fld id="{23AFB7E0-3CC1-46EF-8221-F1C7155CD119}" type="datetimeFigureOut">
               <a:rPr kumimoji="1" lang="ja-JP" altLang="en-US" smtClean="0"/>
-              <a:t>2024/1/23</a:t>
+              <a:t>2024/1/30</a:t>
             </a:fld>
             <a:endParaRPr kumimoji="1" lang="ja-JP" altLang="en-US"/>
           </a:p>
@@ -2933,7 +2933,7 @@
           <a:p>
             <a:fld id="{23AFB7E0-3CC1-46EF-8221-F1C7155CD119}" type="datetimeFigureOut">
               <a:rPr kumimoji="1" lang="ja-JP" altLang="en-US" smtClean="0"/>
-              <a:t>2024/1/23</a:t>
+              <a:t>2024/1/30</a:t>
             </a:fld>
             <a:endParaRPr kumimoji="1" lang="ja-JP" altLang="en-US"/>
           </a:p>
@@ -3206,7 +3206,7 @@
           <a:p>
             <a:fld id="{23AFB7E0-3CC1-46EF-8221-F1C7155CD119}" type="datetimeFigureOut">
               <a:rPr kumimoji="1" lang="ja-JP" altLang="en-US" smtClean="0"/>
-              <a:t>2024/1/23</a:t>
+              <a:t>2024/1/30</a:t>
             </a:fld>
             <a:endParaRPr kumimoji="1" lang="ja-JP" altLang="en-US"/>
           </a:p>
@@ -4410,7 +4410,7 @@
           </a:p>
           <a:p>
             <a:r>
-              <a:rPr lang="en-US" altLang="ja-JP" b="0" i="0" dirty="0" err="1">
+              <a:rPr lang="en-US" altLang="ja-JP" b="0" i="0" strike="sngStrike" dirty="0" err="1">
                 <a:solidFill>
                   <a:srgbClr val="222222"/>
                 </a:solidFill>
@@ -4420,7 +4420,7 @@
               <a:t>Wappalyzer</a:t>
             </a:r>
             <a:r>
-              <a:rPr lang="ja-JP" altLang="en-US" b="0" i="0" dirty="0">
+              <a:rPr lang="ja-JP" altLang="en-US" b="0" i="0" strike="sngStrike" dirty="0">
                 <a:solidFill>
                   <a:srgbClr val="222222"/>
                 </a:solidFill>
@@ -4430,7 +4430,7 @@
               <a:t> </a:t>
             </a:r>
             <a:r>
-              <a:rPr lang="en-US" altLang="ja-JP" b="0" i="0" dirty="0">
+              <a:rPr lang="en-US" altLang="ja-JP" b="0" i="0" strike="sngStrike">
                 <a:solidFill>
                   <a:srgbClr val="222222"/>
                 </a:solidFill>
@@ -4439,6 +4439,77 @@
               </a:rPr>
               <a:t>API</a:t>
             </a:r>
+            <a:endParaRPr lang="en-US" altLang="ja-JP" b="0" i="0" strike="sngStrike" dirty="0">
+              <a:solidFill>
+                <a:srgbClr val="222222"/>
+              </a:solidFill>
+              <a:effectLst/>
+              <a:latin typeface="ヒラギノ角ゴ Pro"/>
+            </a:endParaRPr>
+          </a:p>
+          <a:p>
+            <a:pPr lvl="1"/>
+            <a:r>
+              <a:rPr lang="en-US" altLang="ja-JP" dirty="0" err="1">
+                <a:solidFill>
+                  <a:srgbClr val="222222"/>
+                </a:solidFill>
+                <a:latin typeface="ヒラギノ角ゴ Pro"/>
+              </a:rPr>
+              <a:t>BuiltWith</a:t>
+            </a:r>
+            <a:r>
+              <a:rPr lang="ja-JP" altLang="en-US" dirty="0">
+                <a:solidFill>
+                  <a:srgbClr val="222222"/>
+                </a:solidFill>
+                <a:latin typeface="ヒラギノ角ゴ Pro"/>
+              </a:rPr>
+              <a:t> </a:t>
+            </a:r>
+            <a:r>
+              <a:rPr lang="en-US" altLang="ja-JP" dirty="0">
+                <a:solidFill>
+                  <a:srgbClr val="222222"/>
+                </a:solidFill>
+                <a:latin typeface="ヒラギノ角ゴ Pro"/>
+              </a:rPr>
+              <a:t>Domain</a:t>
+            </a:r>
+            <a:r>
+              <a:rPr lang="ja-JP" altLang="en-US" dirty="0">
+                <a:solidFill>
+                  <a:srgbClr val="222222"/>
+                </a:solidFill>
+                <a:latin typeface="ヒラギノ角ゴ Pro"/>
+              </a:rPr>
+              <a:t> </a:t>
+            </a:r>
+            <a:r>
+              <a:rPr lang="en-US" altLang="ja-JP" dirty="0">
+                <a:solidFill>
+                  <a:srgbClr val="222222"/>
+                </a:solidFill>
+                <a:latin typeface="ヒラギノ角ゴ Pro"/>
+              </a:rPr>
+              <a:t>API</a:t>
+            </a:r>
+            <a:r>
+              <a:rPr lang="ja-JP" altLang="en-US" dirty="0">
+                <a:solidFill>
+                  <a:srgbClr val="222222"/>
+                </a:solidFill>
+                <a:latin typeface="ヒラギノ角ゴ Pro"/>
+              </a:rPr>
+              <a:t>に変更</a:t>
+            </a:r>
+            <a:endParaRPr lang="en-US" altLang="ja-JP" b="0" i="0" dirty="0">
+              <a:solidFill>
+                <a:srgbClr val="222222"/>
+              </a:solidFill>
+              <a:effectLst/>
+              <a:latin typeface="ヒラギノ角ゴ Pro"/>
+            </a:endParaRPr>
           </a:p>
         </p:txBody>
       </p:sp>
